--- a/開発Sprintの受け入れ条件_Release2.pptx
+++ b/開発Sprintの受け入れ条件_Release2.pptx
@@ -6,6 +6,7 @@
   </p:sldMasterIdLst>
   <p:sldIdLst>
     <p:sldId id="257" r:id="rId2"/>
+    <p:sldId id="258" r:id="rId3"/>
   </p:sldIdLst>
   <p:sldSz cx="9144000" cy="6858000" type="screen4x3"/>
   <p:notesSz cx="6858000" cy="9144000"/>
@@ -106,7 +107,7 @@
   </p:defaultTextStyle>
   <p:extLst>
     <p:ext uri="{EFAFB233-063F-42B5-8137-9DF3F51BA10A}">
-      <p15:sldGuideLst xmlns="" xmlns:p15="http://schemas.microsoft.com/office/powerpoint/2012/main">
+      <p15:sldGuideLst xmlns:p15="http://schemas.microsoft.com/office/powerpoint/2012/main">
         <p15:guide id="1" orient="horz" pos="2160">
           <p15:clr>
             <a:srgbClr val="A4A3A4"/>
@@ -304,7 +305,7 @@
           <a:p>
             <a:fld id="{2F02D597-81CB-485D-86F0-9BD683D85C6D}" type="datetimeFigureOut">
               <a:rPr kumimoji="1" lang="ja-JP" altLang="en-US" smtClean="0"/>
-              <a:t>2014/10/17</a:t>
+              <a:t>2014/11/4</a:t>
             </a:fld>
             <a:endParaRPr kumimoji="1" lang="ja-JP" altLang="en-US"/>
           </a:p>
@@ -506,7 +507,7 @@
           <a:p>
             <a:fld id="{2F02D597-81CB-485D-86F0-9BD683D85C6D}" type="datetimeFigureOut">
               <a:rPr kumimoji="1" lang="ja-JP" altLang="en-US" smtClean="0"/>
-              <a:t>2014/10/17</a:t>
+              <a:t>2014/11/4</a:t>
             </a:fld>
             <a:endParaRPr kumimoji="1" lang="ja-JP" altLang="en-US"/>
           </a:p>
@@ -718,7 +719,7 @@
           <a:p>
             <a:fld id="{2F02D597-81CB-485D-86F0-9BD683D85C6D}" type="datetimeFigureOut">
               <a:rPr kumimoji="1" lang="ja-JP" altLang="en-US" smtClean="0"/>
-              <a:t>2014/10/17</a:t>
+              <a:t>2014/11/4</a:t>
             </a:fld>
             <a:endParaRPr kumimoji="1" lang="ja-JP" altLang="en-US"/>
           </a:p>
@@ -920,7 +921,7 @@
           <a:p>
             <a:fld id="{2F02D597-81CB-485D-86F0-9BD683D85C6D}" type="datetimeFigureOut">
               <a:rPr kumimoji="1" lang="ja-JP" altLang="en-US" smtClean="0"/>
-              <a:t>2014/10/17</a:t>
+              <a:t>2014/11/4</a:t>
             </a:fld>
             <a:endParaRPr kumimoji="1" lang="ja-JP" altLang="en-US"/>
           </a:p>
@@ -1166,7 +1167,7 @@
           <a:p>
             <a:fld id="{2F02D597-81CB-485D-86F0-9BD683D85C6D}" type="datetimeFigureOut">
               <a:rPr kumimoji="1" lang="ja-JP" altLang="en-US" smtClean="0"/>
-              <a:t>2014/10/17</a:t>
+              <a:t>2014/11/4</a:t>
             </a:fld>
             <a:endParaRPr kumimoji="1" lang="ja-JP" altLang="en-US"/>
           </a:p>
@@ -1518,7 +1519,7 @@
           <a:p>
             <a:fld id="{2F02D597-81CB-485D-86F0-9BD683D85C6D}" type="datetimeFigureOut">
               <a:rPr kumimoji="1" lang="ja-JP" altLang="en-US" smtClean="0"/>
-              <a:t>2014/10/17</a:t>
+              <a:t>2014/11/4</a:t>
             </a:fld>
             <a:endParaRPr kumimoji="1" lang="ja-JP" altLang="en-US"/>
           </a:p>
@@ -2004,7 +2005,7 @@
           <a:p>
             <a:fld id="{2F02D597-81CB-485D-86F0-9BD683D85C6D}" type="datetimeFigureOut">
               <a:rPr kumimoji="1" lang="ja-JP" altLang="en-US" smtClean="0"/>
-              <a:t>2014/10/17</a:t>
+              <a:t>2014/11/4</a:t>
             </a:fld>
             <a:endParaRPr kumimoji="1" lang="ja-JP" altLang="en-US"/>
           </a:p>
@@ -2122,7 +2123,7 @@
           <a:p>
             <a:fld id="{2F02D597-81CB-485D-86F0-9BD683D85C6D}" type="datetimeFigureOut">
               <a:rPr kumimoji="1" lang="ja-JP" altLang="en-US" smtClean="0"/>
-              <a:t>2014/10/17</a:t>
+              <a:t>2014/11/4</a:t>
             </a:fld>
             <a:endParaRPr kumimoji="1" lang="ja-JP" altLang="en-US"/>
           </a:p>
@@ -2217,7 +2218,7 @@
           <a:p>
             <a:fld id="{2F02D597-81CB-485D-86F0-9BD683D85C6D}" type="datetimeFigureOut">
               <a:rPr kumimoji="1" lang="ja-JP" altLang="en-US" smtClean="0"/>
-              <a:t>2014/10/17</a:t>
+              <a:t>2014/11/4</a:t>
             </a:fld>
             <a:endParaRPr kumimoji="1" lang="ja-JP" altLang="en-US"/>
           </a:p>
@@ -2526,7 +2527,7 @@
           <a:p>
             <a:fld id="{2F02D597-81CB-485D-86F0-9BD683D85C6D}" type="datetimeFigureOut">
               <a:rPr kumimoji="1" lang="ja-JP" altLang="en-US" smtClean="0"/>
-              <a:t>2014/10/17</a:t>
+              <a:t>2014/11/4</a:t>
             </a:fld>
             <a:endParaRPr kumimoji="1" lang="ja-JP" altLang="en-US"/>
           </a:p>
@@ -2779,7 +2780,7 @@
           <a:p>
             <a:fld id="{2F02D597-81CB-485D-86F0-9BD683D85C6D}" type="datetimeFigureOut">
               <a:rPr kumimoji="1" lang="ja-JP" altLang="en-US" smtClean="0"/>
-              <a:t>2014/10/17</a:t>
+              <a:t>2014/11/4</a:t>
             </a:fld>
             <a:endParaRPr kumimoji="1" lang="ja-JP" altLang="en-US"/>
           </a:p>
@@ -3024,7 +3025,7 @@
           <a:p>
             <a:fld id="{2F02D597-81CB-485D-86F0-9BD683D85C6D}" type="datetimeFigureOut">
               <a:rPr kumimoji="1" lang="ja-JP" altLang="en-US" smtClean="0"/>
-              <a:t>2014/10/17</a:t>
+              <a:t>2014/11/4</a:t>
             </a:fld>
             <a:endParaRPr kumimoji="1" lang="ja-JP" altLang="en-US"/>
           </a:p>
@@ -3437,11 +3438,11 @@
             </a:br>
             <a:r>
               <a:rPr lang="en-US" altLang="ja-JP" dirty="0" smtClean="0"/>
-              <a:t>(</a:t>
+              <a:t>(Release </a:t>
             </a:r>
             <a:r>
               <a:rPr lang="en-US" altLang="ja-JP" dirty="0" smtClean="0"/>
-              <a:t>Release 2-3</a:t>
+              <a:t>2-5</a:t>
             </a:r>
             <a:r>
               <a:rPr lang="ja-JP" altLang="en-US" dirty="0" smtClean="0"/>
@@ -3571,11 +3572,7 @@
             </a:r>
             <a:r>
               <a:rPr lang="ja-JP" altLang="en-US" sz="2400" dirty="0" smtClean="0"/>
-              <a:t>して上記の内容</a:t>
-            </a:r>
-            <a:r>
-              <a:rPr lang="ja-JP" altLang="en-US" sz="2400" dirty="0" smtClean="0"/>
-              <a:t>が</a:t>
+              <a:t>して上記の内容が</a:t>
             </a:r>
             <a:r>
               <a:rPr lang="en-US" altLang="ja-JP" sz="2400" dirty="0" smtClean="0"/>
@@ -3586,11 +3583,7 @@
             </a:br>
             <a:r>
               <a:rPr lang="ja-JP" altLang="en-US" sz="2400" dirty="0" smtClean="0"/>
-              <a:t>動作</a:t>
-            </a:r>
-            <a:r>
-              <a:rPr lang="ja-JP" altLang="en-US" sz="2400" dirty="0" smtClean="0"/>
-              <a:t>する</a:t>
+              <a:t>動作する</a:t>
             </a:r>
             <a:r>
               <a:rPr lang="en-US" altLang="ja-JP" sz="2400" dirty="0" smtClean="0"/>
@@ -3620,11 +3613,23 @@
             <a:pPr lvl="1"/>
             <a:r>
               <a:rPr lang="en-US" altLang="ja-JP" sz="2400" dirty="0" smtClean="0"/>
-              <a:t>code coverage</a:t>
+              <a:t>code </a:t>
+            </a:r>
+            <a:r>
+              <a:rPr lang="en-US" altLang="ja-JP" sz="2400" dirty="0" smtClean="0"/>
+              <a:t>coverage</a:t>
             </a:r>
             <a:r>
               <a:rPr lang="ja-JP" altLang="en-US" sz="2400" dirty="0" smtClean="0"/>
-              <a:t>を提示すること</a:t>
+              <a:t>が</a:t>
+            </a:r>
+            <a:r>
+              <a:rPr lang="en-US" altLang="ja-JP" sz="2400" dirty="0" smtClean="0"/>
+              <a:t>70</a:t>
+            </a:r>
+            <a:r>
+              <a:rPr lang="ja-JP" altLang="en-US" sz="2400" dirty="0" smtClean="0"/>
+              <a:t>％以上であること</a:t>
             </a:r>
             <a:endParaRPr lang="en-US" altLang="ja-JP" sz="2400" dirty="0" smtClean="0"/>
           </a:p>
@@ -3639,7 +3644,19 @@
             </a:r>
             <a:r>
               <a:rPr lang="ja-JP" altLang="en-US" sz="2800" dirty="0" smtClean="0"/>
-              <a:t>の結合テスト（手動）が完了している</a:t>
+              <a:t>の</a:t>
+            </a:r>
+            <a:r>
+              <a:rPr lang="ja-JP" altLang="en-US" sz="2800" dirty="0" smtClean="0">
+                <a:solidFill>
+                  <a:srgbClr val="FF0000"/>
+                </a:solidFill>
+              </a:rPr>
+              <a:t>結合テスト（手動）</a:t>
+            </a:r>
+            <a:r>
+              <a:rPr lang="ja-JP" altLang="en-US" sz="2800" dirty="0" smtClean="0"/>
+              <a:t>が完了している</a:t>
             </a:r>
             <a:endParaRPr lang="en-US" altLang="ja-JP" sz="2800" dirty="0" smtClean="0"/>
           </a:p>
@@ -3661,6 +3678,282 @@
     <p:extLst>
       <p:ext uri="{BB962C8B-B14F-4D97-AF65-F5344CB8AC3E}">
         <p14:creationId xmlns:p14="http://schemas.microsoft.com/office/powerpoint/2010/main" val="3853817113"/>
+      </p:ext>
+    </p:extLst>
+  </p:cSld>
+  <p:clrMapOvr>
+    <a:masterClrMapping/>
+  </p:clrMapOvr>
+</p:sld>
+</file>
+
+<file path=ppt/slides/slide2.xml><?xml version="1.0" encoding="utf-8"?>
+<p:sld xmlns:a="http://schemas.openxmlformats.org/drawingml/2006/main" xmlns:r="http://schemas.openxmlformats.org/officeDocument/2006/relationships" xmlns:p="http://schemas.openxmlformats.org/presentationml/2006/main">
+  <p:cSld>
+    <p:spTree>
+      <p:nvGrpSpPr>
+        <p:cNvPr id="1" name=""/>
+        <p:cNvGrpSpPr/>
+        <p:nvPr/>
+      </p:nvGrpSpPr>
+      <p:grpSpPr>
+        <a:xfrm>
+          <a:off x="0" y="0"/>
+          <a:ext cx="0" cy="0"/>
+          <a:chOff x="0" y="0"/>
+          <a:chExt cx="0" cy="0"/>
+        </a:xfrm>
+      </p:grpSpPr>
+      <p:sp>
+        <p:nvSpPr>
+          <p:cNvPr id="4" name="タイトル 3"/>
+          <p:cNvSpPr>
+            <a:spLocks noGrp="1"/>
+          </p:cNvSpPr>
+          <p:nvPr>
+            <p:ph type="title"/>
+          </p:nvPr>
+        </p:nvSpPr>
+        <p:spPr/>
+        <p:txBody>
+          <a:bodyPr>
+            <a:normAutofit fontScale="90000"/>
+          </a:bodyPr>
+          <a:lstStyle/>
+          <a:p>
+            <a:r>
+              <a:rPr kumimoji="1" lang="ja-JP" altLang="en-US" dirty="0" smtClean="0"/>
+              <a:t>開発</a:t>
+            </a:r>
+            <a:r>
+              <a:rPr kumimoji="1" lang="en-US" altLang="ja-JP" dirty="0" smtClean="0"/>
+              <a:t>Sprint</a:t>
+            </a:r>
+            <a:r>
+              <a:rPr kumimoji="1" lang="ja-JP" altLang="en-US" dirty="0" smtClean="0"/>
+              <a:t>の受け入れ条件</a:t>
+            </a:r>
+            <a:r>
+              <a:rPr kumimoji="1" lang="en-US" altLang="ja-JP" dirty="0" smtClean="0"/>
+              <a:t/>
+            </a:r>
+            <a:br>
+              <a:rPr kumimoji="1" lang="en-US" altLang="ja-JP" dirty="0" smtClean="0"/>
+            </a:br>
+            <a:r>
+              <a:rPr lang="en-US" altLang="ja-JP" dirty="0" smtClean="0"/>
+              <a:t>(Release 2-3</a:t>
+            </a:r>
+            <a:r>
+              <a:rPr lang="ja-JP" altLang="en-US" dirty="0" smtClean="0"/>
+              <a:t>以降</a:t>
+            </a:r>
+            <a:r>
+              <a:rPr lang="en-US" altLang="ja-JP" dirty="0" smtClean="0"/>
+              <a:t>)</a:t>
+            </a:r>
+            <a:endParaRPr kumimoji="1" lang="ja-JP" altLang="en-US" dirty="0"/>
+          </a:p>
+        </p:txBody>
+      </p:sp>
+      <p:sp>
+        <p:nvSpPr>
+          <p:cNvPr id="5" name="コンテンツ プレースホルダー 4"/>
+          <p:cNvSpPr>
+            <a:spLocks noGrp="1"/>
+          </p:cNvSpPr>
+          <p:nvPr>
+            <p:ph idx="1"/>
+          </p:nvPr>
+        </p:nvSpPr>
+        <p:spPr>
+          <a:xfrm>
+            <a:off x="251520" y="1600200"/>
+            <a:ext cx="8784976" cy="4525963"/>
+          </a:xfrm>
+        </p:spPr>
+        <p:txBody>
+          <a:bodyPr>
+            <a:noAutofit/>
+          </a:bodyPr>
+          <a:lstStyle/>
+          <a:p>
+            <a:r>
+              <a:rPr kumimoji="1" lang="en-US" altLang="ja-JP" dirty="0" smtClean="0"/>
+              <a:t>Sprint review</a:t>
+            </a:r>
+            <a:r>
+              <a:rPr lang="ja-JP" altLang="en-US" dirty="0"/>
+              <a:t>に</a:t>
+            </a:r>
+            <a:r>
+              <a:rPr lang="ja-JP" altLang="en-US" dirty="0" smtClean="0"/>
+              <a:t>おいて</a:t>
+            </a:r>
+            <a:r>
+              <a:rPr lang="ja-JP" altLang="en-US" dirty="0"/>
+              <a:t>以下</a:t>
+            </a:r>
+            <a:r>
+              <a:rPr lang="ja-JP" altLang="en-US" dirty="0" smtClean="0"/>
+              <a:t>の</a:t>
+            </a:r>
+            <a:r>
+              <a:rPr lang="en-US" altLang="ja-JP" dirty="0" smtClean="0"/>
+              <a:t>demonstration</a:t>
+            </a:r>
+            <a:r>
+              <a:rPr lang="ja-JP" altLang="en-US" dirty="0" smtClean="0"/>
+              <a:t>を示す</a:t>
+            </a:r>
+            <a:endParaRPr lang="en-US" altLang="ja-JP" dirty="0" smtClean="0"/>
+          </a:p>
+          <a:p>
+            <a:pPr lvl="1"/>
+            <a:r>
+              <a:rPr kumimoji="1" lang="en-US" altLang="ja-JP" sz="2400" dirty="0" smtClean="0"/>
+              <a:t>Android emulator</a:t>
+            </a:r>
+            <a:r>
+              <a:rPr kumimoji="1" lang="ja-JP" altLang="en-US" sz="2400" dirty="0" smtClean="0"/>
+              <a:t>で</a:t>
+            </a:r>
+            <a:r>
+              <a:rPr lang="ja-JP" altLang="en-US" sz="2400" dirty="0" smtClean="0"/>
+              <a:t>各</a:t>
+            </a:r>
+            <a:r>
+              <a:rPr lang="en-US" altLang="ja-JP" sz="2400" dirty="0" smtClean="0"/>
+              <a:t>user story</a:t>
+            </a:r>
+            <a:r>
+              <a:rPr lang="ja-JP" altLang="en-US" sz="2400" dirty="0" smtClean="0"/>
+              <a:t>の</a:t>
+            </a:r>
+            <a:r>
+              <a:rPr lang="en-US" altLang="ja-JP" sz="2400" dirty="0" smtClean="0"/>
+              <a:t>business flow</a:t>
+            </a:r>
+            <a:r>
+              <a:rPr lang="ja-JP" altLang="en-US" sz="2400" dirty="0" smtClean="0"/>
+              <a:t>が動作し，</a:t>
+            </a:r>
+            <a:r>
+              <a:rPr lang="en-US" altLang="ja-JP" sz="2400" dirty="0" smtClean="0"/>
+              <a:t>business rules</a:t>
+            </a:r>
+            <a:r>
+              <a:rPr lang="ja-JP" altLang="en-US" sz="2400" dirty="0" smtClean="0"/>
+              <a:t>を満たす</a:t>
+            </a:r>
+            <a:endParaRPr lang="en-US" altLang="ja-JP" sz="2400" dirty="0" smtClean="0"/>
+          </a:p>
+          <a:p>
+            <a:pPr lvl="1"/>
+            <a:r>
+              <a:rPr lang="en-US" altLang="ja-JP" sz="2400" dirty="0" smtClean="0"/>
+              <a:t>Product Owner</a:t>
+            </a:r>
+            <a:r>
+              <a:rPr lang="ja-JP" altLang="en-US" sz="2400" dirty="0" smtClean="0"/>
+              <a:t>の</a:t>
+            </a:r>
+            <a:r>
+              <a:rPr lang="en-US" altLang="ja-JP" sz="2400" dirty="0" smtClean="0"/>
+              <a:t>Android</a:t>
+            </a:r>
+            <a:r>
+              <a:rPr lang="ja-JP" altLang="en-US" sz="2400" dirty="0" smtClean="0"/>
+              <a:t>端末に</a:t>
+            </a:r>
+            <a:r>
+              <a:rPr lang="en-US" altLang="ja-JP" sz="2400" dirty="0" smtClean="0"/>
+              <a:t>deploy</a:t>
+            </a:r>
+            <a:r>
+              <a:rPr lang="ja-JP" altLang="en-US" sz="2400" dirty="0" smtClean="0"/>
+              <a:t>して上記の内容が</a:t>
+            </a:r>
+            <a:r>
+              <a:rPr lang="en-US" altLang="ja-JP" sz="2400" dirty="0" smtClean="0"/>
+              <a:t/>
+            </a:r>
+            <a:br>
+              <a:rPr lang="en-US" altLang="ja-JP" sz="2400" dirty="0" smtClean="0"/>
+            </a:br>
+            <a:r>
+              <a:rPr lang="ja-JP" altLang="en-US" sz="2400" dirty="0" smtClean="0"/>
+              <a:t>動作する</a:t>
+            </a:r>
+            <a:r>
+              <a:rPr lang="en-US" altLang="ja-JP" sz="2400" dirty="0" smtClean="0"/>
+              <a:t>	</a:t>
+            </a:r>
+          </a:p>
+          <a:p>
+            <a:r>
+              <a:rPr lang="ja-JP" altLang="en-US" sz="2800" dirty="0"/>
+              <a:t>これまで</a:t>
+            </a:r>
+            <a:r>
+              <a:rPr lang="ja-JP" altLang="en-US" sz="2800" dirty="0" smtClean="0"/>
+              <a:t>の</a:t>
+            </a:r>
+            <a:r>
+              <a:rPr lang="en-US" altLang="ja-JP" sz="2800" dirty="0" smtClean="0"/>
+              <a:t>Sprint</a:t>
+            </a:r>
+            <a:r>
+              <a:rPr lang="ja-JP" altLang="en-US" sz="2800" dirty="0" smtClean="0"/>
+              <a:t>の単体テストが完了している</a:t>
+            </a:r>
+            <a:endParaRPr lang="en-US" altLang="ja-JP" sz="2800" dirty="0" smtClean="0"/>
+          </a:p>
+          <a:p>
+            <a:pPr lvl="1"/>
+            <a:r>
+              <a:rPr lang="en-US" altLang="ja-JP" sz="2400" dirty="0" smtClean="0"/>
+              <a:t>code coverage</a:t>
+            </a:r>
+            <a:r>
+              <a:rPr lang="ja-JP" altLang="en-US" sz="2400" dirty="0" smtClean="0"/>
+              <a:t>を提示すること</a:t>
+            </a:r>
+            <a:endParaRPr lang="en-US" altLang="ja-JP" sz="2400" dirty="0" smtClean="0"/>
+          </a:p>
+          <a:p>
+            <a:r>
+              <a:rPr lang="ja-JP" altLang="en-US" sz="2800" dirty="0" smtClean="0"/>
+              <a:t>これまでの</a:t>
+            </a:r>
+            <a:r>
+              <a:rPr lang="en-US" altLang="ja-JP" sz="2800" dirty="0" smtClean="0"/>
+              <a:t>Sprint</a:t>
+            </a:r>
+            <a:r>
+              <a:rPr lang="ja-JP" altLang="en-US" sz="2800" dirty="0" smtClean="0"/>
+              <a:t>の結合テスト（手動）が完了している</a:t>
+            </a:r>
+            <a:endParaRPr lang="en-US" altLang="ja-JP" sz="2800" dirty="0" smtClean="0"/>
+          </a:p>
+          <a:p>
+            <a:pPr lvl="1"/>
+            <a:r>
+              <a:rPr lang="ja-JP" altLang="en-US" sz="2400" dirty="0"/>
+              <a:t>結合テスト</a:t>
+            </a:r>
+            <a:r>
+              <a:rPr lang="ja-JP" altLang="en-US" sz="2400" dirty="0" smtClean="0"/>
+              <a:t>項目とその結果をレポートすること</a:t>
+            </a:r>
+            <a:endParaRPr lang="en-US" altLang="ja-JP" sz="2400" dirty="0" smtClean="0"/>
+          </a:p>
+        </p:txBody>
+      </p:sp>
+    </p:spTree>
+    <p:extLst>
+      <p:ext uri="{BB962C8B-B14F-4D97-AF65-F5344CB8AC3E}">
+        <p14:creationId xmlns:p14="http://schemas.microsoft.com/office/powerpoint/2010/main" val="448263117"/>
       </p:ext>
     </p:extLst>
   </p:cSld>
